--- a/Dissertation_Presentation.pptx
+++ b/Dissertation_Presentation.pptx
@@ -234,7 +234,7 @@
           <a:p>
             <a:fld id="{59041DB8-B66F-4DC8-A96E-33677E0F90FF}" type="datetimeFigureOut">
               <a:rPr lang="en-US" smtClean="0"/>
-              <a:t>5/23/2018</a:t>
+              <a:t>5/29/2018</a:t>
             </a:fld>
             <a:endParaRPr lang="en-US"/>
           </a:p>
@@ -399,7 +399,7 @@
           <a:p>
             <a:fld id="{DEB49C4A-65AC-492D-9701-81B46C3AD0E4}" type="datetimeFigureOut">
               <a:rPr lang="en-US" smtClean="0"/>
-              <a:t>5/23/2018</a:t>
+              <a:t>5/29/2018</a:t>
             </a:fld>
             <a:endParaRPr lang="en-US"/>
           </a:p>
@@ -2891,7 +2891,7 @@
           <a:p>
             <a:fld id="{384A29A4-78C8-47AB-BA06-22CB45938951}" type="datetime1">
               <a:rPr lang="en-US" smtClean="0"/>
-              <a:t>5/23/2018</a:t>
+              <a:t>5/29/2018</a:t>
             </a:fld>
             <a:endParaRPr lang="en-US"/>
           </a:p>
@@ -3086,7 +3086,7 @@
           <a:p>
             <a:fld id="{E1ED4ACF-2D82-46F2-A8E9-23963AA34E86}" type="datetime1">
               <a:rPr lang="en-US" smtClean="0"/>
-              <a:t>5/23/2018</a:t>
+              <a:t>5/29/2018</a:t>
             </a:fld>
             <a:endParaRPr lang="en-US"/>
           </a:p>
@@ -3270,7 +3270,7 @@
           <a:p>
             <a:fld id="{AE374B5B-21A0-4192-BF4C-38187F1A68D8}" type="datetime1">
               <a:rPr lang="en-US" smtClean="0"/>
-              <a:t>5/23/2018</a:t>
+              <a:t>5/29/2018</a:t>
             </a:fld>
             <a:endParaRPr lang="en-US"/>
           </a:p>
@@ -5611,7 +5611,7 @@
           <a:p>
             <a:fld id="{33B5CF7C-B333-48E1-A4A6-83A3C8B73AC0}" type="datetime1">
               <a:rPr lang="en-US" smtClean="0"/>
-              <a:t>5/23/2018</a:t>
+              <a:t>5/29/2018</a:t>
             </a:fld>
             <a:endParaRPr lang="en-US"/>
           </a:p>
@@ -6064,7 +6064,7 @@
           <a:p>
             <a:fld id="{AE320762-5CBF-4210-AB54-376B091119F8}" type="datetime1">
               <a:rPr lang="en-US" smtClean="0"/>
-              <a:t>5/23/2018</a:t>
+              <a:t>5/29/2018</a:t>
             </a:fld>
             <a:endParaRPr lang="en-US"/>
           </a:p>
@@ -6196,7 +6196,7 @@
           <a:p>
             <a:fld id="{7F0DB371-BF5F-4058-A212-1A908E4D2674}" type="datetime1">
               <a:rPr lang="en-US" smtClean="0"/>
-              <a:t>5/23/2018</a:t>
+              <a:t>5/29/2018</a:t>
             </a:fld>
             <a:endParaRPr lang="en-US"/>
           </a:p>
@@ -8129,7 +8129,7 @@
           <a:p>
             <a:fld id="{60A4083B-90AA-48CF-BAD5-00AA24D7F288}" type="datetime1">
               <a:rPr lang="en-US" smtClean="0"/>
-              <a:t>5/23/2018</a:t>
+              <a:t>5/29/2018</a:t>
             </a:fld>
             <a:endParaRPr lang="en-US"/>
           </a:p>
@@ -10388,7 +10388,7 @@
             <a:fld id="{F5BAF629-ECA2-4CF3-B790-9D9BDED98269}" type="datetime1">
               <a:rPr lang="en-US" smtClean="0"/>
               <a:pPr/>
-              <a:t>5/23/2018</a:t>
+              <a:t>5/29/2018</a:t>
             </a:fld>
             <a:endParaRPr lang="en-US"/>
           </a:p>
@@ -14683,7 +14683,7 @@
             <a:fld id="{B51B2453-8663-4C69-AF73-9FD7B1DEC5D0}" type="datetime1">
               <a:rPr lang="en-US" smtClean="0"/>
               <a:pPr/>
-              <a:t>5/23/2018</a:t>
+              <a:t>5/29/2018</a:t>
             </a:fld>
             <a:endParaRPr lang="en-US" dirty="0"/>
           </a:p>
@@ -15325,6 +15325,13 @@
       </p:transition>
     </mc:Fallback>
   </mc:AlternateContent>
+  <p:timing>
+    <p:tnLst>
+      <p:par>
+        <p:cTn id="1" dur="indefinite" restart="never" nodeType="tmRoot"/>
+      </p:par>
+    </p:tnLst>
+  </p:timing>
 </p:sld>
 </file>
 
@@ -16736,6 +16743,13 @@
       </p:transition>
     </mc:Fallback>
   </mc:AlternateContent>
+  <p:timing>
+    <p:tnLst>
+      <p:par>
+        <p:cTn id="1" dur="indefinite" restart="never" nodeType="tmRoot"/>
+      </p:par>
+    </p:tnLst>
+  </p:timing>
 </p:sld>
 </file>
 
@@ -17045,7 +17059,15 @@
             </a:r>
             <a:r>
               <a:rPr lang="el-GR" dirty="0"/>
-              <a:t>: Ορίζουμε τις καμπάνιες που εφαρμόζονται σε συγκεκριμένο σύνολο με σκοπό την μεγαλύτερη επιτυχία και την αποφυγή μη ενδιαφερόμενου κοινού</a:t>
+              <a:t>: Ορίζουμε τις καμπάνιες που εφαρμόζονται σε συγκεκριμένο </a:t>
+            </a:r>
+            <a:r>
+              <a:rPr lang="el-GR" dirty="0" smtClean="0"/>
+              <a:t>κοινό </a:t>
+            </a:r>
+            <a:r>
+              <a:rPr lang="el-GR" dirty="0"/>
+              <a:t>με σκοπό την μεγαλύτερη επιτυχία και την αποφυγή μη ενδιαφερόμενου κοινού</a:t>
             </a:r>
             <a:endParaRPr lang="el-GR" b="1" dirty="0"/>
           </a:p>
@@ -17286,9 +17308,10 @@
               <a:buNone/>
             </a:pPr>
             <a:r>
-              <a:rPr lang="el-GR" b="1" dirty="0"/>
-              <a:t>Κανάλια</a:t>
+              <a:rPr lang="el-GR" b="1" dirty="0" smtClean="0"/>
+              <a:t>Κανάλια επικοινωνίας </a:t>
             </a:r>
+            <a:endParaRPr lang="el-GR" b="1" dirty="0"/>
           </a:p>
           <a:p>
             <a:r>
@@ -17413,23 +17436,30 @@
           </a:p>
           <a:p>
             <a:r>
-              <a:rPr lang="el-GR" dirty="0"/>
+              <a:rPr lang="el-GR" dirty="0" smtClean="0"/>
               <a:t>Εργασιακή εμπειρία</a:t>
             </a:r>
-          </a:p>
-          <a:p>
+            <a:endParaRPr lang="el-GR" dirty="0"/>
+          </a:p>
+          <a:p>
+            <a:r>
+              <a:rPr lang="el-GR" dirty="0" smtClean="0"/>
+              <a:t>Εκπαιδευτικό </a:t>
+            </a:r>
             <a:r>
               <a:rPr lang="el-GR" dirty="0"/>
-              <a:t>Εκπαιδευτικό υπόβαθρο </a:t>
+              <a:t>υπόβαθρο </a:t>
             </a:r>
           </a:p>
           <a:p>
             <a:r>
               <a:rPr lang="el-GR" dirty="0"/>
-              <a:t>Ενδιαφέροντα (βιβλία, μουσική, αθλητικές ομάδες, αγαπημένα αθλήματα)</a:t>
+              <a:t>Ενδιαφέροντα (βιβλία, μουσική, αθλητικές ομάδες, αγαπημένα αθλήματα</a:t>
             </a:r>
-          </a:p>
-          <a:p>
+            <a:r>
+              <a:rPr lang="el-GR" dirty="0" smtClean="0"/>
+              <a:t>)</a:t>
+            </a:r>
             <a:endParaRPr lang="el-GR" dirty="0"/>
           </a:p>
         </p:txBody>
@@ -17514,8 +17544,12 @@
           <a:lstStyle/>
           <a:p>
             <a:r>
+              <a:rPr lang="el-GR" dirty="0" smtClean="0"/>
+              <a:t>Ορισμός </a:t>
+            </a:r>
+            <a:r>
               <a:rPr lang="el-GR" dirty="0"/>
-              <a:t>Ορισμός κοινού που θα απευθύνεται η καμπάνια χρησιμοποιώντας τα συλλεγόμενα δεδομένα</a:t>
+              <a:t>κοινού που θα απευθύνεται η καμπάνια χρησιμοποιώντας τα συλλεγόμενα δεδομένα</a:t>
             </a:r>
           </a:p>
           <a:p>
@@ -17527,8 +17561,13 @@
           <a:p>
             <a:r>
               <a:rPr lang="el-GR" dirty="0"/>
-              <a:t>Ορισμός περιεχόμενου της καμπάνιας</a:t>
+              <a:t>Ορισμός περιεχόμενου της </a:t>
             </a:r>
+            <a:r>
+              <a:rPr lang="el-GR" dirty="0" smtClean="0"/>
+              <a:t>καμπάνιας</a:t>
+            </a:r>
+            <a:endParaRPr lang="el-GR" dirty="0"/>
           </a:p>
           <a:p>
             <a:r>
